--- a/InfoSec/PPTs/L8-CH07-DoS Attacks.pptx
+++ b/InfoSec/PPTs/L8-CH07-DoS Attacks.pptx
@@ -339,7 +339,7 @@
             <a:fld id="{999DDEF9-8F79-3F4A-8C1A-CB2E900DCD92}" type="datetimeFigureOut">
               <a:rPr lang="en-US" smtClean="0"/>
               <a:pPr/>
-              <a:t>4/21/2020</a:t>
+              <a:t>4/24/2020</a:t>
             </a:fld>
             <a:endParaRPr lang="en-US"/>
           </a:p>
@@ -15627,7 +15627,7 @@
           <a:p>
             <a:r>
               <a:rPr lang="en-US" dirty="0"/>
-              <a:t>TCP SYN Spoofing</a:t>
+              <a:t>TCP SYN Flooding</a:t>
             </a:r>
             <a:endParaRPr lang="en-SE" dirty="0"/>
           </a:p>
@@ -21315,7 +21315,7 @@
           <a:p>
             <a:r>
               <a:rPr lang="en-US" dirty="0"/>
-              <a:t>SYN Spoofing</a:t>
+              <a:t>TCP SYN Flooding</a:t>
             </a:r>
             <a:endParaRPr lang="en-SE" dirty="0"/>
           </a:p>
@@ -21367,7 +21367,7 @@
             <a:pPr lvl="1"/>
             <a:r>
               <a:rPr lang="en-US" dirty="0"/>
-              <a:t>Also called SYN Flooding attack</a:t>
+              <a:t>Also called SYN Spoofing attack</a:t>
             </a:r>
           </a:p>
           <a:p>

--- a/InfoSec/PPTs/L8-CH07-DoS Attacks.pptx
+++ b/InfoSec/PPTs/L8-CH07-DoS Attacks.pptx
@@ -339,7 +339,7 @@
             <a:fld id="{999DDEF9-8F79-3F4A-8C1A-CB2E900DCD92}" type="datetimeFigureOut">
               <a:rPr lang="en-US" smtClean="0"/>
               <a:pPr/>
-              <a:t>4/24/2020</a:t>
+              <a:t>5/21/2020</a:t>
             </a:fld>
             <a:endParaRPr lang="en-US"/>
           </a:p>
@@ -17694,6 +17694,27 @@
             </a:r>
           </a:p>
           <a:p>
+            <a:pPr lvl="1">
+              <a:buSzPct val="70000"/>
+              <a:buFont typeface="Wingdings" pitchFamily="-110" charset="2"/>
+              <a:buChar char=""/>
+              <a:defRPr/>
+            </a:pPr>
+            <a:r>
+              <a:rPr lang="en-US" altLang="zh-CN" sz="2000" dirty="0"/>
+              <a:t>Since HTTP is based on TCP, HTTP requests themselves cannot be used as attack packets (refer to “</a:t>
+            </a:r>
+            <a:r>
+              <a:rPr lang="en-US" sz="2000" dirty="0"/>
+              <a:t>TCP Flooding Quiz</a:t>
+            </a:r>
+            <a:r>
+              <a:rPr lang="en-US" altLang="zh-CN" sz="2000" dirty="0"/>
+              <a:t>”).</a:t>
+            </a:r>
+            <a:endParaRPr lang="en-US" sz="2000" dirty="0"/>
+          </a:p>
+          <a:p>
             <a:pPr>
               <a:buSzPct val="70000"/>
               <a:buFont typeface="Wingdings" pitchFamily="-110" charset="2"/>
@@ -21172,7 +21193,7 @@
         <p:spPr/>
         <p:txBody>
           <a:bodyPr>
-            <a:normAutofit fontScale="85000" lnSpcReduction="10000"/>
+            <a:normAutofit fontScale="77500" lnSpcReduction="20000"/>
           </a:bodyPr>
           <a:lstStyle/>
           <a:p>
@@ -21186,6 +21207,17 @@
             <a:r>
               <a:rPr lang="en-US" dirty="0"/>
               <a:t>Usually via the raw socket interface on operating systems</a:t>
+            </a:r>
+          </a:p>
+          <a:p>
+            <a:pPr lvl="2"/>
+            <a:r>
+              <a:rPr lang="en-US"/>
+              <a:t>Raw sockets allow </a:t>
+            </a:r>
+            <a:r>
+              <a:rPr lang="en-US" dirty="0"/>
+              <a:t>direct sending and receiving of IP packets without any protocol-specific transport layer formatting</a:t>
             </a:r>
           </a:p>
           <a:p>
@@ -21360,7 +21392,7 @@
             <a:pPr lvl="1"/>
             <a:r>
               <a:rPr lang="en-US" dirty="0"/>
-              <a:t>Does not need access to a high-capacity network connection</a:t>
+              <a:t>Attacker does not need access to a high-capacity network connection</a:t>
             </a:r>
           </a:p>
           <a:p>

--- a/InfoSec/PPTs/L8-CH07-DoS Attacks.pptx
+++ b/InfoSec/PPTs/L8-CH07-DoS Attacks.pptx
@@ -339,7 +339,7 @@
             <a:fld id="{999DDEF9-8F79-3F4A-8C1A-CB2E900DCD92}" type="datetimeFigureOut">
               <a:rPr lang="en-US" smtClean="0"/>
               <a:pPr/>
-              <a:t>5/21/2020</a:t>
+              <a:t>5/4/2021</a:t>
             </a:fld>
             <a:endParaRPr lang="en-US"/>
           </a:p>
@@ -4453,9 +4453,17 @@
               </a:rPr>
               <a:t>block the attack, many others will not, and the attack will still succeed. </a:t>
             </a:r>
+            <a:r>
+              <a:rPr lang="en-US" altLang="zh-CN" sz="1800" dirty="0"/>
+              <a:t/>
+            </a:r>
             <a:br>
               <a:rPr lang="en-US" altLang="zh-CN" sz="1800" dirty="0"/>
             </a:br>
+            <a:r>
+              <a:rPr lang="en-US" altLang="zh-CN" sz="2000" dirty="0"/>
+              <a:t/>
+            </a:r>
             <a:br>
               <a:rPr lang="en-US" altLang="zh-CN" sz="2000" dirty="0"/>
             </a:br>
@@ -15290,7 +15298,15 @@
           <a:p>
             <a:r>
               <a:rPr lang="en-US" dirty="0"/>
-              <a:t>ZJU 2020</a:t>
+              <a:t>ZJU </a:t>
+            </a:r>
+            <a:r>
+              <a:rPr lang="en-US" dirty="0" smtClean="0"/>
+              <a:t>202</a:t>
+            </a:r>
+            <a:r>
+              <a:rPr lang="en-SE" smtClean="0"/>
+              <a:t>1</a:t>
             </a:r>
             <a:endParaRPr lang="en-SE" dirty="0"/>
           </a:p>

--- a/InfoSec/PPTs/L8-CH07-DoS Attacks.pptx
+++ b/InfoSec/PPTs/L8-CH07-DoS Attacks.pptx
@@ -339,7 +339,7 @@
             <a:fld id="{999DDEF9-8F79-3F4A-8C1A-CB2E900DCD92}" type="datetimeFigureOut">
               <a:rPr lang="en-US" smtClean="0"/>
               <a:pPr/>
-              <a:t>5/21/2020</a:t>
+              <a:t>5/4/2021</a:t>
             </a:fld>
             <a:endParaRPr lang="en-US"/>
           </a:p>
@@ -15289,8 +15289,8 @@
           <a:lstStyle/>
           <a:p>
             <a:r>
-              <a:rPr lang="en-US" dirty="0"/>
-              <a:t>ZJU 2020</a:t>
+              <a:rPr lang="en-US"/>
+              <a:t>ZJU 2021</a:t>
             </a:r>
             <a:endParaRPr lang="en-SE" dirty="0"/>
           </a:p>

--- a/InfoSec/PPTs/L8-CH07-DoS Attacks.pptx
+++ b/InfoSec/PPTs/L8-CH07-DoS Attacks.pptx
@@ -339,7 +339,7 @@
             <a:fld id="{999DDEF9-8F79-3F4A-8C1A-CB2E900DCD92}" type="datetimeFigureOut">
               <a:rPr lang="en-US" smtClean="0"/>
               <a:pPr/>
-              <a:t>5/4/2021</a:t>
+              <a:t>3/24/2022</a:t>
             </a:fld>
             <a:endParaRPr lang="en-US"/>
           </a:p>
@@ -15289,10 +15289,17 @@
           <a:lstStyle/>
           <a:p>
             <a:r>
-              <a:rPr lang="en-US"/>
-              <a:t>ZJU 2021</a:t>
-            </a:r>
-            <a:endParaRPr lang="en-SE" dirty="0"/>
+              <a:rPr lang="en-US" altLang="zh-CN" kern="0" dirty="0"/>
+              <a:t>Zonghua Gu</a:t>
+            </a:r>
+            <a:endParaRPr lang="en-US" kern="0" dirty="0"/>
+          </a:p>
+          <a:p>
+            <a:r>
+              <a:rPr lang="en-US" kern="0"/>
+              <a:t>2018, ZJU</a:t>
+            </a:r>
+            <a:endParaRPr lang="en-SE" kern="0" dirty="0"/>
           </a:p>
         </p:txBody>
       </p:sp>

--- a/InfoSec/PPTs/L8-CH07-DoS Attacks.pptx
+++ b/InfoSec/PPTs/L8-CH07-DoS Attacks.pptx
@@ -339,7 +339,7 @@
             <a:fld id="{999DDEF9-8F79-3F4A-8C1A-CB2E900DCD92}" type="datetimeFigureOut">
               <a:rPr lang="en-US" smtClean="0"/>
               <a:pPr/>
-              <a:t>3/24/2022</a:t>
+              <a:t>3/27/2022</a:t>
             </a:fld>
             <a:endParaRPr lang="en-US"/>
           </a:p>
@@ -15297,7 +15297,11 @@
           <a:p>
             <a:r>
               <a:rPr lang="en-US" kern="0"/>
-              <a:t>2018, ZJU</a:t>
+              <a:t>2017, </a:t>
+            </a:r>
+            <a:r>
+              <a:rPr lang="en-US" kern="0" dirty="0"/>
+              <a:t>ZJU</a:t>
             </a:r>
             <a:endParaRPr lang="en-SE" kern="0" dirty="0"/>
           </a:p>
